--- a/Capstone Project/Capstone pres.pptx
+++ b/Capstone Project/Capstone pres.pptx
@@ -141,7 +141,7 @@
   </p:defaultTextStyle>
   <p:extLst>
     <p:ext uri="{EFAFB233-063F-42B5-8137-9DF3F51BA10A}">
-      <p15:sldGuideLst xmlns="" xmlns:p15="http://schemas.microsoft.com/office/powerpoint/2012/main">
+      <p15:sldGuideLst xmlns:p15="http://schemas.microsoft.com/office/powerpoint/2012/main" xmlns="">
         <p15:guide id="1" orient="horz" pos="2160">
           <p15:clr>
             <a:srgbClr val="A4A3A4"/>
@@ -244,7 +244,7 @@
           <a:p>
             <a:fld id="{BAB38A8C-5568-4B11-B068-6CE277775B22}" type="datetimeFigureOut">
               <a:rPr lang="en-GB" smtClean="0"/>
-              <a:t>07/09/2019</a:t>
+              <a:t>22/09/2019</a:t>
             </a:fld>
             <a:endParaRPr lang="en-GB"/>
           </a:p>
@@ -1446,11 +1446,7 @@
           <a:p>
             <a:r>
               <a:rPr lang="en-AU" baseline="0" dirty="0" smtClean="0"/>
-              <a:t>Sellers: </a:t>
-            </a:r>
-            <a:r>
-              <a:rPr lang="en-AU" baseline="0" dirty="0" smtClean="0"/>
-              <a:t>$1.312 M</a:t>
+              <a:t>Sellers: $1.312 M</a:t>
             </a:r>
             <a:endParaRPr lang="en-AU" dirty="0"/>
           </a:p>
@@ -3674,7 +3670,7 @@
           <a:p>
             <a:fld id="{E7F54406-F458-4A9C-8C3B-2A8352DD49DB}" type="datetimeFigureOut">
               <a:rPr lang="en-GB" smtClean="0"/>
-              <a:t>07/09/2019</a:t>
+              <a:t>22/09/2019</a:t>
             </a:fld>
             <a:endParaRPr lang="en-GB"/>
           </a:p>
@@ -3853,7 +3849,7 @@
           <a:p>
             <a:fld id="{E7F54406-F458-4A9C-8C3B-2A8352DD49DB}" type="datetimeFigureOut">
               <a:rPr lang="en-GB" smtClean="0"/>
-              <a:t>07/09/2019</a:t>
+              <a:t>22/09/2019</a:t>
             </a:fld>
             <a:endParaRPr lang="en-GB"/>
           </a:p>
@@ -4004,7 +4000,7 @@
           <a:p>
             <a:fld id="{E7F54406-F458-4A9C-8C3B-2A8352DD49DB}" type="datetimeFigureOut">
               <a:rPr lang="en-GB" smtClean="0"/>
-              <a:t>07/09/2019</a:t>
+              <a:t>22/09/2019</a:t>
             </a:fld>
             <a:endParaRPr lang="en-GB"/>
           </a:p>
@@ -5829,7 +5825,7 @@
           <a:p>
             <a:fld id="{E7F54406-F458-4A9C-8C3B-2A8352DD49DB}" type="datetimeFigureOut">
               <a:rPr lang="en-GB" smtClean="0"/>
-              <a:t>07/09/2019</a:t>
+              <a:t>22/09/2019</a:t>
             </a:fld>
             <a:endParaRPr lang="en-GB"/>
           </a:p>
@@ -7698,7 +7694,7 @@
           <a:p>
             <a:fld id="{E7F54406-F458-4A9C-8C3B-2A8352DD49DB}" type="datetimeFigureOut">
               <a:rPr lang="en-GB" smtClean="0"/>
-              <a:t>07/09/2019</a:t>
+              <a:t>22/09/2019</a:t>
             </a:fld>
             <a:endParaRPr lang="en-GB"/>
           </a:p>
@@ -7810,7 +7806,7 @@
           <a:p>
             <a:fld id="{E7F54406-F458-4A9C-8C3B-2A8352DD49DB}" type="datetimeFigureOut">
               <a:rPr lang="en-GB" smtClean="0"/>
-              <a:t>07/09/2019</a:t>
+              <a:t>22/09/2019</a:t>
             </a:fld>
             <a:endParaRPr lang="en-GB"/>
           </a:p>
@@ -8348,7 +8344,7 @@
           <a:p>
             <a:fld id="{E7F54406-F458-4A9C-8C3B-2A8352DD49DB}" type="datetimeFigureOut">
               <a:rPr lang="en-GB" smtClean="0"/>
-              <a:t>07/09/2019</a:t>
+              <a:t>22/09/2019</a:t>
             </a:fld>
             <a:endParaRPr lang="en-GB"/>
           </a:p>
@@ -8460,7 +8456,7 @@
           <a:p>
             <a:fld id="{E7F54406-F458-4A9C-8C3B-2A8352DD49DB}" type="datetimeFigureOut">
               <a:rPr lang="en-GB" smtClean="0"/>
-              <a:t>07/09/2019</a:t>
+              <a:t>22/09/2019</a:t>
             </a:fld>
             <a:endParaRPr lang="en-GB"/>
           </a:p>
@@ -10171,7 +10167,7 @@
           <a:p>
             <a:fld id="{E7F54406-F458-4A9C-8C3B-2A8352DD49DB}" type="datetimeFigureOut">
               <a:rPr lang="en-GB" smtClean="0"/>
-              <a:t>07/09/2019</a:t>
+              <a:t>22/09/2019</a:t>
             </a:fld>
             <a:endParaRPr lang="en-GB"/>
           </a:p>
@@ -10322,7 +10318,7 @@
           <a:p>
             <a:fld id="{E7F54406-F458-4A9C-8C3B-2A8352DD49DB}" type="datetimeFigureOut">
               <a:rPr lang="en-GB" smtClean="0"/>
-              <a:t>07/09/2019</a:t>
+              <a:t>22/09/2019</a:t>
             </a:fld>
             <a:endParaRPr lang="en-GB"/>
           </a:p>
@@ -13937,7 +13933,7 @@
           <a:p>
             <a:fld id="{E7F54406-F458-4A9C-8C3B-2A8352DD49DB}" type="datetimeFigureOut">
               <a:rPr lang="en-GB" smtClean="0"/>
-              <a:t>07/09/2019</a:t>
+              <a:t>22/09/2019</a:t>
             </a:fld>
             <a:endParaRPr lang="en-GB"/>
           </a:p>
@@ -15796,7 +15792,7 @@
           <a:p>
             <a:fld id="{E7F54406-F458-4A9C-8C3B-2A8352DD49DB}" type="datetimeFigureOut">
               <a:rPr lang="en-GB" smtClean="0"/>
-              <a:t>07/09/2019</a:t>
+              <a:t>22/09/2019</a:t>
             </a:fld>
             <a:endParaRPr lang="en-GB"/>
           </a:p>
@@ -16503,7 +16499,7 @@
           <p:cNvPr id="6" name="Content Placeholder 5">
             <a:extLst>
               <a:ext uri="{FF2B5EF4-FFF2-40B4-BE49-F238E27FC236}">
-                <a16:creationId xmlns="" xmlns:a16="http://schemas.microsoft.com/office/drawing/2014/main" id="{5410518B-33E3-40C9-9DD6-DD81F316B0A6}"/>
+                <a16:creationId xmlns:a16="http://schemas.microsoft.com/office/drawing/2014/main" xmlns="" id="{5410518B-33E3-40C9-9DD6-DD81F316B0A6}"/>
               </a:ext>
             </a:extLst>
           </p:cNvPr>
@@ -16635,7 +16631,7 @@
           <p:cNvPr id="10" name="Content Placeholder 9">
             <a:extLst>
               <a:ext uri="{FF2B5EF4-FFF2-40B4-BE49-F238E27FC236}">
-                <a16:creationId xmlns="" xmlns:a16="http://schemas.microsoft.com/office/drawing/2014/main" id="{C9C5F33F-1C35-4722-A827-952CE33294F7}"/>
+                <a16:creationId xmlns:a16="http://schemas.microsoft.com/office/drawing/2014/main" xmlns="" id="{C9C5F33F-1C35-4722-A827-952CE33294F7}"/>
               </a:ext>
             </a:extLst>
           </p:cNvPr>
@@ -16773,7 +16769,7 @@
           <p:cNvPr id="9" name="Text Placeholder 8">
             <a:extLst>
               <a:ext uri="{FF2B5EF4-FFF2-40B4-BE49-F238E27FC236}">
-                <a16:creationId xmlns="" xmlns:a16="http://schemas.microsoft.com/office/drawing/2014/main" id="{BE8EAE0B-A600-4989-B064-75C91FE1A732}"/>
+                <a16:creationId xmlns:a16="http://schemas.microsoft.com/office/drawing/2014/main" xmlns="" id="{BE8EAE0B-A600-4989-B064-75C91FE1A732}"/>
               </a:ext>
             </a:extLst>
           </p:cNvPr>
@@ -16808,7 +16804,7 @@
           <p:cNvPr id="7" name="Title 6">
             <a:extLst>
               <a:ext uri="{FF2B5EF4-FFF2-40B4-BE49-F238E27FC236}">
-                <a16:creationId xmlns="" xmlns:a16="http://schemas.microsoft.com/office/drawing/2014/main" id="{4CDFAD57-78CE-4E4A-A62D-EB4AAC15F7A5}"/>
+                <a16:creationId xmlns:a16="http://schemas.microsoft.com/office/drawing/2014/main" xmlns="" id="{4CDFAD57-78CE-4E4A-A62D-EB4AAC15F7A5}"/>
               </a:ext>
             </a:extLst>
           </p:cNvPr>
@@ -16841,7 +16837,7 @@
           <p:cNvPr id="11" name="Content Placeholder 10">
             <a:extLst>
               <a:ext uri="{FF2B5EF4-FFF2-40B4-BE49-F238E27FC236}">
-                <a16:creationId xmlns="" xmlns:a16="http://schemas.microsoft.com/office/drawing/2014/main" id="{1E159967-AA1B-4851-9C60-9237F625D638}"/>
+                <a16:creationId xmlns:a16="http://schemas.microsoft.com/office/drawing/2014/main" xmlns="" id="{1E159967-AA1B-4851-9C60-9237F625D638}"/>
               </a:ext>
             </a:extLst>
           </p:cNvPr>
@@ -17365,7 +17361,7 @@
           <p:cNvPr id="7" name="Content Placeholder 10">
             <a:extLst>
               <a:ext uri="{FF2B5EF4-FFF2-40B4-BE49-F238E27FC236}">
-                <a16:creationId xmlns="" xmlns:a16="http://schemas.microsoft.com/office/drawing/2014/main" id="{1E159967-AA1B-4851-9C60-9237F625D638}"/>
+                <a16:creationId xmlns:a16="http://schemas.microsoft.com/office/drawing/2014/main" xmlns="" id="{1E159967-AA1B-4851-9C60-9237F625D638}"/>
               </a:ext>
             </a:extLst>
           </p:cNvPr>
@@ -17438,7 +17434,7 @@
           <p:cNvPr id="5" name="Content Placeholder 4">
             <a:extLst>
               <a:ext uri="{FF2B5EF4-FFF2-40B4-BE49-F238E27FC236}">
-                <a16:creationId xmlns="" xmlns:a16="http://schemas.microsoft.com/office/drawing/2014/main" id="{08B5BE72-DBB6-49DE-9D72-B8851AAC54FA}"/>
+                <a16:creationId xmlns:a16="http://schemas.microsoft.com/office/drawing/2014/main" xmlns="" id="{08B5BE72-DBB6-49DE-9D72-B8851AAC54FA}"/>
               </a:ext>
             </a:extLst>
           </p:cNvPr>
@@ -17473,7 +17469,7 @@
           <p:cNvPr id="3" name="Title 2">
             <a:extLst>
               <a:ext uri="{FF2B5EF4-FFF2-40B4-BE49-F238E27FC236}">
-                <a16:creationId xmlns="" xmlns:a16="http://schemas.microsoft.com/office/drawing/2014/main" id="{CE58651E-6E75-4727-8E27-DFC5ACCB27BE}"/>
+                <a16:creationId xmlns:a16="http://schemas.microsoft.com/office/drawing/2014/main" xmlns="" id="{CE58651E-6E75-4727-8E27-DFC5ACCB27BE}"/>
               </a:ext>
             </a:extLst>
           </p:cNvPr>
@@ -17501,7 +17497,7 @@
           <p:cNvPr id="6" name="TextBox 5">
             <a:extLst>
               <a:ext uri="{FF2B5EF4-FFF2-40B4-BE49-F238E27FC236}">
-                <a16:creationId xmlns="" xmlns:a16="http://schemas.microsoft.com/office/drawing/2014/main" id="{E47E4A77-4D07-4B67-90D8-CE83E31E3D29}"/>
+                <a16:creationId xmlns:a16="http://schemas.microsoft.com/office/drawing/2014/main" xmlns="" id="{E47E4A77-4D07-4B67-90D8-CE83E31E3D29}"/>
               </a:ext>
             </a:extLst>
           </p:cNvPr>
@@ -17930,15 +17926,7 @@
           <a:p>
             <a:r>
               <a:rPr lang="en-AU" dirty="0" smtClean="0"/>
-              <a:t>Masters</a:t>
-            </a:r>
-            <a:r>
-              <a:rPr lang="en-AU" dirty="0" smtClean="0"/>
-              <a:t> </a:t>
-            </a:r>
-            <a:r>
-              <a:rPr lang="en-AU" dirty="0" smtClean="0"/>
-              <a:t>Astrophysicists – Sydney </a:t>
+              <a:t>Masters Astrophysicists – Sydney </a:t>
             </a:r>
             <a:r>
               <a:rPr lang="en-AU" dirty="0" err="1" smtClean="0"/>
@@ -17950,11 +17938,7 @@
             </a:r>
             <a:r>
               <a:rPr lang="en-AU" sz="1600" dirty="0" smtClean="0"/>
-              <a:t>(</a:t>
-            </a:r>
-            <a:r>
-              <a:rPr lang="en-AU" sz="1600" dirty="0" smtClean="0"/>
-              <a:t>3 </a:t>
+              <a:t>(3 </a:t>
             </a:r>
             <a:r>
               <a:rPr lang="en-AU" sz="1600" dirty="0"/>
@@ -18355,11 +18339,7 @@
           <a:p>
             <a:r>
               <a:rPr lang="en-AU" dirty="0" smtClean="0"/>
-              <a:t>Our economic modelling indicates a yearly revenue of </a:t>
-            </a:r>
-            <a:r>
-              <a:rPr lang="en-AU" dirty="0" smtClean="0"/>
-              <a:t>$</a:t>
+              <a:t>Our economic modelling indicates a yearly revenue of $</a:t>
             </a:r>
             <a:r>
               <a:rPr lang="en-AU" dirty="0"/>
@@ -18367,11 +18347,7 @@
             </a:r>
             <a:r>
               <a:rPr lang="en-AU" dirty="0" smtClean="0"/>
-              <a:t>M</a:t>
-            </a:r>
-            <a:r>
-              <a:rPr lang="en-AU" dirty="0" smtClean="0"/>
-              <a:t>+</a:t>
+              <a:t>M+</a:t>
             </a:r>
           </a:p>
           <a:p>
@@ -18383,15 +18359,7 @@
           <a:p>
             <a:r>
               <a:rPr lang="en-AU" dirty="0" smtClean="0"/>
-              <a:t>This will increase revenue by </a:t>
-            </a:r>
-            <a:r>
-              <a:rPr lang="en-AU" dirty="0" smtClean="0"/>
-              <a:t>$1.4M </a:t>
-            </a:r>
-            <a:r>
-              <a:rPr lang="en-AU" dirty="0" smtClean="0"/>
-              <a:t>+ per year</a:t>
+              <a:t>This will increase revenue by $1.4M + per year</a:t>
             </a:r>
           </a:p>
           <a:p>
@@ -20309,7 +20277,7 @@
           <p:cNvPr id="4" name="Content Placeholder 3">
             <a:extLst>
               <a:ext uri="{FF2B5EF4-FFF2-40B4-BE49-F238E27FC236}">
-                <a16:creationId xmlns="" xmlns:a16="http://schemas.microsoft.com/office/drawing/2014/main" id="{E420F88D-D766-4787-B1F1-39A1EDCA3661}"/>
+                <a16:creationId xmlns:a16="http://schemas.microsoft.com/office/drawing/2014/main" xmlns="" id="{E420F88D-D766-4787-B1F1-39A1EDCA3661}"/>
               </a:ext>
             </a:extLst>
           </p:cNvPr>
@@ -20395,15 +20363,7 @@
             </a:pPr>
             <a:r>
               <a:rPr lang="en-AU" sz="3900" b="1" dirty="0" smtClean="0"/>
-              <a:t>$</a:t>
-            </a:r>
-            <a:r>
-              <a:rPr lang="en-AU" sz="3900" b="1" dirty="0" smtClean="0"/>
-              <a:t>5.2</a:t>
-            </a:r>
-            <a:r>
-              <a:rPr lang="en-AU" sz="3900" b="1" dirty="0" smtClean="0"/>
-              <a:t> </a:t>
+              <a:t>$5.2 </a:t>
             </a:r>
             <a:r>
               <a:rPr lang="en-AU" sz="3900" b="1" dirty="0"/>
@@ -20417,7 +20377,7 @@
           <p:cNvPr id="9" name="Title 8">
             <a:extLst>
               <a:ext uri="{FF2B5EF4-FFF2-40B4-BE49-F238E27FC236}">
-                <a16:creationId xmlns="" xmlns:a16="http://schemas.microsoft.com/office/drawing/2014/main" id="{514B6666-B4A3-452C-9A8E-605BCB154E40}"/>
+                <a16:creationId xmlns:a16="http://schemas.microsoft.com/office/drawing/2014/main" xmlns="" id="{514B6666-B4A3-452C-9A8E-605BCB154E40}"/>
               </a:ext>
             </a:extLst>
           </p:cNvPr>
@@ -20445,7 +20405,7 @@
           <p:cNvPr id="6" name="Rectangle: Rounded Corners 5">
             <a:extLst>
               <a:ext uri="{FF2B5EF4-FFF2-40B4-BE49-F238E27FC236}">
-                <a16:creationId xmlns="" xmlns:a16="http://schemas.microsoft.com/office/drawing/2014/main" id="{FB8E5138-C124-4352-B1B2-73462374546E}"/>
+                <a16:creationId xmlns:a16="http://schemas.microsoft.com/office/drawing/2014/main" xmlns="" id="{FB8E5138-C124-4352-B1B2-73462374546E}"/>
               </a:ext>
             </a:extLst>
           </p:cNvPr>
@@ -20517,7 +20477,7 @@
           <p:cNvPr id="7" name="Rectangle: Rounded Corners 6">
             <a:extLst>
               <a:ext uri="{FF2B5EF4-FFF2-40B4-BE49-F238E27FC236}">
-                <a16:creationId xmlns="" xmlns:a16="http://schemas.microsoft.com/office/drawing/2014/main" id="{353B0C40-F24F-4DFB-95C0-0F53C0B4B237}"/>
+                <a16:creationId xmlns:a16="http://schemas.microsoft.com/office/drawing/2014/main" xmlns="" id="{353B0C40-F24F-4DFB-95C0-0F53C0B4B237}"/>
               </a:ext>
             </a:extLst>
           </p:cNvPr>
@@ -20590,7 +20550,7 @@
           <p:cNvPr id="8" name="Rectangle: Rounded Corners 7">
             <a:extLst>
               <a:ext uri="{FF2B5EF4-FFF2-40B4-BE49-F238E27FC236}">
-                <a16:creationId xmlns="" xmlns:a16="http://schemas.microsoft.com/office/drawing/2014/main" id="{4F43E293-1405-4617-9644-BF9244271384}"/>
+                <a16:creationId xmlns:a16="http://schemas.microsoft.com/office/drawing/2014/main" xmlns="" id="{4F43E293-1405-4617-9644-BF9244271384}"/>
               </a:ext>
             </a:extLst>
           </p:cNvPr>
@@ -20662,7 +20622,7 @@
           <p:cNvPr id="12" name="Rectangle: Rounded Corners 11">
             <a:extLst>
               <a:ext uri="{FF2B5EF4-FFF2-40B4-BE49-F238E27FC236}">
-                <a16:creationId xmlns="" xmlns:a16="http://schemas.microsoft.com/office/drawing/2014/main" id="{0A6DD985-DA4F-4E39-B7CD-153553FBF025}"/>
+                <a16:creationId xmlns:a16="http://schemas.microsoft.com/office/drawing/2014/main" xmlns="" id="{0A6DD985-DA4F-4E39-B7CD-153553FBF025}"/>
               </a:ext>
             </a:extLst>
           </p:cNvPr>
@@ -21140,7 +21100,7 @@
           <p:cNvPr id="12" name="Rectangle: Rounded Corners 11">
             <a:extLst>
               <a:ext uri="{FF2B5EF4-FFF2-40B4-BE49-F238E27FC236}">
-                <a16:creationId xmlns="" xmlns:a16="http://schemas.microsoft.com/office/drawing/2014/main" id="{4B407139-A59E-4973-A0C0-0990E9814EC9}"/>
+                <a16:creationId xmlns:a16="http://schemas.microsoft.com/office/drawing/2014/main" xmlns="" id="{4B407139-A59E-4973-A0C0-0990E9814EC9}"/>
               </a:ext>
             </a:extLst>
           </p:cNvPr>
@@ -21192,7 +21152,7 @@
           <p:cNvPr id="11" name="Rectangle: Rounded Corners 10">
             <a:extLst>
               <a:ext uri="{FF2B5EF4-FFF2-40B4-BE49-F238E27FC236}">
-                <a16:creationId xmlns="" xmlns:a16="http://schemas.microsoft.com/office/drawing/2014/main" id="{32749C25-B548-4C14-BFAE-50B9E6685E90}"/>
+                <a16:creationId xmlns:a16="http://schemas.microsoft.com/office/drawing/2014/main" xmlns="" id="{32749C25-B548-4C14-BFAE-50B9E6685E90}"/>
               </a:ext>
             </a:extLst>
           </p:cNvPr>
@@ -21244,7 +21204,7 @@
           <p:cNvPr id="2" name="Title 1">
             <a:extLst>
               <a:ext uri="{FF2B5EF4-FFF2-40B4-BE49-F238E27FC236}">
-                <a16:creationId xmlns="" xmlns:a16="http://schemas.microsoft.com/office/drawing/2014/main" id="{ACAC4538-4CB7-495C-91D1-512C00E8BC1A}"/>
+                <a16:creationId xmlns:a16="http://schemas.microsoft.com/office/drawing/2014/main" xmlns="" id="{ACAC4538-4CB7-495C-91D1-512C00E8BC1A}"/>
               </a:ext>
             </a:extLst>
           </p:cNvPr>
@@ -21269,15 +21229,7 @@
           <a:p>
             <a:r>
               <a:rPr lang="en-AU" dirty="0" smtClean="0"/>
-              <a:t>Valuation model will increase revenue by </a:t>
-            </a:r>
-            <a:r>
-              <a:rPr lang="en-AU" dirty="0" smtClean="0"/>
-              <a:t>$1.4M </a:t>
-            </a:r>
-            <a:r>
-              <a:rPr lang="en-AU" dirty="0" smtClean="0"/>
-              <a:t>+ per year</a:t>
+              <a:t>Valuation model will increase revenue by $1.4M + per year</a:t>
             </a:r>
             <a:endParaRPr lang="en-AU" dirty="0"/>
           </a:p>
@@ -21288,7 +21240,7 @@
           <p:cNvPr id="6" name="Content Placeholder 5">
             <a:extLst>
               <a:ext uri="{FF2B5EF4-FFF2-40B4-BE49-F238E27FC236}">
-                <a16:creationId xmlns="" xmlns:a16="http://schemas.microsoft.com/office/drawing/2014/main" id="{7BA5E248-2352-4B7F-AA85-BBA13840236B}"/>
+                <a16:creationId xmlns:a16="http://schemas.microsoft.com/office/drawing/2014/main" xmlns="" id="{7BA5E248-2352-4B7F-AA85-BBA13840236B}"/>
               </a:ext>
             </a:extLst>
           </p:cNvPr>
@@ -21350,7 +21302,7 @@
           <p:cNvPr id="7" name="Content Placeholder 5">
             <a:extLst>
               <a:ext uri="{FF2B5EF4-FFF2-40B4-BE49-F238E27FC236}">
-                <a16:creationId xmlns="" xmlns:a16="http://schemas.microsoft.com/office/drawing/2014/main" id="{7E73CA32-6B8B-4F07-AC97-B081912AA635}"/>
+                <a16:creationId xmlns:a16="http://schemas.microsoft.com/office/drawing/2014/main" xmlns="" id="{7E73CA32-6B8B-4F07-AC97-B081912AA635}"/>
               </a:ext>
             </a:extLst>
           </p:cNvPr>
@@ -21725,7 +21677,7 @@
             </a:r>
             <a:r>
               <a:rPr lang="en-AU" dirty="0" smtClean="0"/>
-              <a:t>(3000</a:t>
+              <a:t>(4000</a:t>
             </a:r>
             <a:r>
               <a:rPr lang="en-AU" dirty="0"/>
@@ -22032,7 +21984,7 @@
           <p:cNvPr id="5" name="Text Placeholder 4">
             <a:extLst>
               <a:ext uri="{FF2B5EF4-FFF2-40B4-BE49-F238E27FC236}">
-                <a16:creationId xmlns="" xmlns:a16="http://schemas.microsoft.com/office/drawing/2014/main" id="{AE3C3495-A4BC-4C9D-A1AF-12E973D0E9B3}"/>
+                <a16:creationId xmlns:a16="http://schemas.microsoft.com/office/drawing/2014/main" xmlns="" id="{AE3C3495-A4BC-4C9D-A1AF-12E973D0E9B3}"/>
               </a:ext>
             </a:extLst>
           </p:cNvPr>
